--- a/NSD-OverlayVPN.pptx
+++ b/NSD-OverlayVPN.pptx
@@ -5,10 +5,10 @@
     <p:sldMasterId id="2147483648" r:id="rId4"/>
   </p:sldMasterIdLst>
   <p:notesMasterIdLst>
-    <p:notesMasterId r:id="rId17"/>
+    <p:notesMasterId r:id="rId18"/>
   </p:notesMasterIdLst>
   <p:handoutMasterIdLst>
-    <p:handoutMasterId r:id="rId18"/>
+    <p:handoutMasterId r:id="rId19"/>
   </p:handoutMasterIdLst>
   <p:sldIdLst>
     <p:sldId id="256" r:id="rId5"/>
@@ -20,9 +20,10 @@
     <p:sldId id="313" r:id="rId11"/>
     <p:sldId id="309" r:id="rId12"/>
     <p:sldId id="314" r:id="rId13"/>
-    <p:sldId id="308" r:id="rId14"/>
-    <p:sldId id="315" r:id="rId15"/>
-    <p:sldId id="316" r:id="rId16"/>
+    <p:sldId id="317" r:id="rId14"/>
+    <p:sldId id="308" r:id="rId15"/>
+    <p:sldId id="315" r:id="rId16"/>
+    <p:sldId id="316" r:id="rId17"/>
   </p:sldIdLst>
   <p:sldSz cx="12192000" cy="6858000"/>
   <p:notesSz cx="6858000" cy="9144000"/>
@@ -24622,6 +24623,263 @@
           <p:cNvPr id="2" name="Title 1">
             <a:extLst>
               <a:ext uri="{FF2B5EF4-FFF2-40B4-BE49-F238E27FC236}">
+                <a16:creationId xmlns:a16="http://schemas.microsoft.com/office/drawing/2014/main" id="{9585D7BD-333D-B076-4377-F64E978C3B25}"/>
+              </a:ext>
+            </a:extLst>
+          </p:cNvPr>
+          <p:cNvSpPr>
+            <a:spLocks noGrp="1"/>
+          </p:cNvSpPr>
+          <p:nvPr>
+            <p:ph type="title"/>
+          </p:nvPr>
+        </p:nvSpPr>
+        <p:spPr/>
+        <p:txBody>
+          <a:bodyPr>
+            <a:normAutofit/>
+          </a:bodyPr>
+          <a:lstStyle/>
+          <a:p>
+            <a:r>
+              <a:rPr lang="en-US" sz="4000" dirty="0"/>
+              <a:t>Network Configuration SERVER FIREWALL</a:t>
+            </a:r>
+          </a:p>
+        </p:txBody>
+      </p:sp>
+      <p:pic>
+        <p:nvPicPr>
+          <p:cNvPr id="27" name="Content Placeholder 8" descr="Diagram&#10;&#10;Description automatically generated">
+            <a:extLst>
+              <a:ext uri="{FF2B5EF4-FFF2-40B4-BE49-F238E27FC236}">
+                <a16:creationId xmlns:a16="http://schemas.microsoft.com/office/drawing/2014/main" id="{518EC8A9-FB99-5971-0052-EDAE431A3E48}"/>
+              </a:ext>
+            </a:extLst>
+          </p:cNvPr>
+          <p:cNvPicPr>
+            <a:picLocks noGrp="1" noChangeAspect="1"/>
+          </p:cNvPicPr>
+          <p:nvPr>
+            <p:ph idx="1"/>
+          </p:nvPr>
+        </p:nvPicPr>
+        <p:blipFill>
+          <a:blip r:embed="rId2"/>
+          <a:stretch>
+            <a:fillRect/>
+          </a:stretch>
+        </p:blipFill>
+        <p:spPr>
+          <a:xfrm>
+            <a:off x="1023938" y="2510758"/>
+            <a:ext cx="9720262" cy="3573209"/>
+          </a:xfrm>
+        </p:spPr>
+      </p:pic>
+      <p:sp>
+        <p:nvSpPr>
+          <p:cNvPr id="3" name="Fumetto: rettangolo con angoli arrotondati 9">
+            <a:extLst>
+              <a:ext uri="{FF2B5EF4-FFF2-40B4-BE49-F238E27FC236}">
+                <a16:creationId xmlns:a16="http://schemas.microsoft.com/office/drawing/2014/main" id="{332653DB-F24D-8E99-E403-4480E23786FE}"/>
+              </a:ext>
+            </a:extLst>
+          </p:cNvPr>
+          <p:cNvSpPr/>
+          <p:nvPr/>
+        </p:nvSpPr>
+        <p:spPr>
+          <a:xfrm>
+            <a:off x="3170947" y="1886445"/>
+            <a:ext cx="5985354" cy="3085110"/>
+          </a:xfrm>
+          <a:prstGeom prst="wedgeRoundRectCallout">
+            <a:avLst>
+              <a:gd name="adj1" fmla="val -71333"/>
+              <a:gd name="adj2" fmla="val 33578"/>
+              <a:gd name="adj3" fmla="val 16667"/>
+            </a:avLst>
+          </a:prstGeom>
+          <a:solidFill>
+            <a:schemeClr val="tx1">
+              <a:lumMod val="95000"/>
+              <a:lumOff val="5000"/>
+            </a:schemeClr>
+          </a:solidFill>
+        </p:spPr>
+        <p:style>
+          <a:lnRef idx="2">
+            <a:schemeClr val="accent1">
+              <a:shade val="50000"/>
+            </a:schemeClr>
+          </a:lnRef>
+          <a:fillRef idx="1">
+            <a:schemeClr val="accent1"/>
+          </a:fillRef>
+          <a:effectRef idx="0">
+            <a:schemeClr val="accent1"/>
+          </a:effectRef>
+          <a:fontRef idx="minor">
+            <a:schemeClr val="lt1"/>
+          </a:fontRef>
+        </p:style>
+        <p:txBody>
+          <a:bodyPr rtlCol="0" anchor="ctr"/>
+          <a:lstStyle/>
+          <a:p>
+            <a:r>
+              <a:rPr lang="en-US" sz="1600" dirty="0"/>
+              <a:t>iptables –F</a:t>
+            </a:r>
+          </a:p>
+          <a:p>
+            <a:r>
+              <a:rPr lang="en-US" sz="1600" dirty="0"/>
+              <a:t>iptables -P FORWARD DROP #[0:0]</a:t>
+            </a:r>
+          </a:p>
+          <a:p>
+            <a:r>
+              <a:rPr lang="en-US" sz="1600" dirty="0"/>
+              <a:t>iptables -P INPUT DROP #[193:15624]</a:t>
+            </a:r>
+          </a:p>
+          <a:p>
+            <a:r>
+              <a:rPr lang="en-US" sz="1600" dirty="0"/>
+              <a:t>iptables -P OUTPUT DROP #[58:3096]</a:t>
+            </a:r>
+          </a:p>
+          <a:p>
+            <a:r>
+              <a:rPr lang="en-US" sz="1600" dirty="0"/>
+              <a:t>iptables -A INPUT -p </a:t>
+            </a:r>
+            <a:r>
+              <a:rPr lang="en-US" sz="1600" dirty="0" err="1"/>
+              <a:t>udp</a:t>
+            </a:r>
+            <a:r>
+              <a:rPr lang="en-US" sz="1600" dirty="0"/>
+              <a:t> -m </a:t>
+            </a:r>
+            <a:r>
+              <a:rPr lang="en-US" sz="1600" dirty="0" err="1"/>
+              <a:t>udp</a:t>
+            </a:r>
+            <a:r>
+              <a:rPr lang="en-US" sz="1600" dirty="0"/>
+              <a:t> --</a:t>
+            </a:r>
+            <a:r>
+              <a:rPr lang="en-US" sz="1600" dirty="0" err="1"/>
+              <a:t>dport</a:t>
+            </a:r>
+            <a:r>
+              <a:rPr lang="en-US" sz="1600" dirty="0"/>
+              <a:t> 1194 -j ACCEPT</a:t>
+            </a:r>
+          </a:p>
+          <a:p>
+            <a:r>
+              <a:rPr lang="en-US" sz="1600" dirty="0"/>
+              <a:t>iptables -A INPUT -</a:t>
+            </a:r>
+            <a:r>
+              <a:rPr lang="en-US" sz="1600" dirty="0" err="1"/>
+              <a:t>i</a:t>
+            </a:r>
+            <a:r>
+              <a:rPr lang="en-US" sz="1600" dirty="0"/>
+              <a:t> tun0 -j ACCEPT</a:t>
+            </a:r>
+          </a:p>
+          <a:p>
+            <a:r>
+              <a:rPr lang="en-US" sz="1600" dirty="0"/>
+              <a:t>iptables -A FORWARD -</a:t>
+            </a:r>
+            <a:r>
+              <a:rPr lang="en-US" sz="1600" dirty="0" err="1"/>
+              <a:t>i</a:t>
+            </a:r>
+            <a:r>
+              <a:rPr lang="en-US" sz="1600" dirty="0"/>
+              <a:t> tun0 -j ACCEPT</a:t>
+            </a:r>
+          </a:p>
+          <a:p>
+            <a:r>
+              <a:rPr lang="en-US" sz="1600" dirty="0"/>
+              <a:t>iptables -A FORWARD -o tun0 -j ACCEPT</a:t>
+            </a:r>
+          </a:p>
+          <a:p>
+            <a:r>
+              <a:rPr lang="en-US" sz="1600" dirty="0"/>
+              <a:t>iptables -A OUTPUT -p </a:t>
+            </a:r>
+            <a:r>
+              <a:rPr lang="en-US" sz="1600" dirty="0" err="1"/>
+              <a:t>udp</a:t>
+            </a:r>
+            <a:r>
+              <a:rPr lang="en-US" sz="1600" dirty="0"/>
+              <a:t> -m </a:t>
+            </a:r>
+            <a:r>
+              <a:rPr lang="en-US" sz="1600" dirty="0" err="1"/>
+              <a:t>udp</a:t>
+            </a:r>
+            <a:r>
+              <a:rPr lang="en-US" sz="1600" dirty="0"/>
+              <a:t> --sport 1194 -j ACCEPT</a:t>
+            </a:r>
+          </a:p>
+          <a:p>
+            <a:r>
+              <a:rPr lang="en-US" sz="1600" dirty="0"/>
+              <a:t>iptables -A OUTPUT -o tun0 -j ACCEPT</a:t>
+            </a:r>
+          </a:p>
+        </p:txBody>
+      </p:sp>
+    </p:spTree>
+    <p:extLst>
+      <p:ext uri="{BB962C8B-B14F-4D97-AF65-F5344CB8AC3E}">
+        <p14:creationId xmlns:p14="http://schemas.microsoft.com/office/powerpoint/2010/main" val="1704381562"/>
+      </p:ext>
+    </p:extLst>
+  </p:cSld>
+  <p:clrMapOvr>
+    <a:masterClrMapping/>
+  </p:clrMapOvr>
+</p:sld>
+</file>
+
+<file path=ppt/slides/slide11.xml><?xml version="1.0" encoding="utf-8"?>
+<p:sld xmlns:a="http://schemas.openxmlformats.org/drawingml/2006/main" xmlns:r="http://schemas.openxmlformats.org/officeDocument/2006/relationships" xmlns:p="http://schemas.openxmlformats.org/presentationml/2006/main">
+  <p:cSld>
+    <p:spTree>
+      <p:nvGrpSpPr>
+        <p:cNvPr id="1" name=""/>
+        <p:cNvGrpSpPr/>
+        <p:nvPr/>
+      </p:nvGrpSpPr>
+      <p:grpSpPr>
+        <a:xfrm>
+          <a:off x="0" y="0"/>
+          <a:ext cx="0" cy="0"/>
+          <a:chOff x="0" y="0"/>
+          <a:chExt cx="0" cy="0"/>
+        </a:xfrm>
+      </p:grpSpPr>
+      <p:sp>
+        <p:nvSpPr>
+          <p:cNvPr id="2" name="Title 1">
+            <a:extLst>
+              <a:ext uri="{FF2B5EF4-FFF2-40B4-BE49-F238E27FC236}">
                 <a16:creationId xmlns:a16="http://schemas.microsoft.com/office/drawing/2014/main" id="{4B70D1B1-316A-9472-3914-737E7AC515AA}"/>
               </a:ext>
             </a:extLst>
@@ -24688,7 +24946,7 @@
 </p:sld>
 </file>
 
-<file path=ppt/slides/slide11.xml><?xml version="1.0" encoding="utf-8"?>
+<file path=ppt/slides/slide12.xml><?xml version="1.0" encoding="utf-8"?>
 <p:sld xmlns:a="http://schemas.openxmlformats.org/drawingml/2006/main" xmlns:r="http://schemas.openxmlformats.org/officeDocument/2006/relationships" xmlns:p="http://schemas.openxmlformats.org/presentationml/2006/main">
   <p:cSld>
     <p:spTree>
@@ -25130,7 +25388,7 @@
 </p:sld>
 </file>
 
-<file path=ppt/slides/slide12.xml><?xml version="1.0" encoding="utf-8"?>
+<file path=ppt/slides/slide13.xml><?xml version="1.0" encoding="utf-8"?>
 <p:sld xmlns:a="http://schemas.openxmlformats.org/drawingml/2006/main" xmlns:r="http://schemas.openxmlformats.org/officeDocument/2006/relationships" xmlns:p="http://schemas.openxmlformats.org/presentationml/2006/main">
   <p:cSld>
     <p:spTree>
@@ -25461,12 +25719,8 @@
           </a:p>
           <a:p>
             <a:r>
-              <a:rPr lang="en-GB" sz="1600"/>
-              <a:t>key client2.</a:t>
-            </a:r>
-            <a:r>
               <a:rPr lang="en-GB" sz="1600" dirty="0"/>
-              <a:t>key</a:t>
+              <a:t>key client2.key</a:t>
             </a:r>
           </a:p>
           <a:p>
